--- a/UNIX 期末報告最終版本v1.pptx
+++ b/UNIX 期末報告最終版本v1.pptx
@@ -6113,26 +6113,26 @@
           <a:lstStyle/>
           <a:p>
             <a:r>
-              <a:rPr lang="en-US" altLang="zh-TW" dirty="0"/>
+              <a:rPr lang="en-US" altLang="zh-TW" sz="6000" dirty="0"/>
               <a:t>UNIX</a:t>
             </a:r>
             <a:r>
-              <a:rPr lang="zh-TW" altLang="en-US" dirty="0"/>
+              <a:rPr lang="zh-TW" altLang="en-US" sz="6000" dirty="0"/>
               <a:t> 期末報告</a:t>
             </a:r>
             <a:r>
-              <a:rPr lang="en-US" altLang="zh-TW" dirty="0"/>
+              <a:rPr lang="en-US" altLang="zh-TW" sz="6000" dirty="0"/>
               <a:t>:</a:t>
             </a:r>
             <a:r>
-              <a:rPr lang="zh-TW" altLang="en-US" dirty="0"/>
+              <a:rPr lang="zh-TW" altLang="en-US" sz="6000" dirty="0"/>
               <a:t> </a:t>
             </a:r>
             <a:br>
-              <a:rPr lang="en-US" altLang="zh-TW" dirty="0"/>
+              <a:rPr lang="en-US" altLang="zh-TW" sz="6000" dirty="0"/>
             </a:br>
             <a:r>
-              <a:rPr lang="zh-TW" altLang="en-US" dirty="0"/>
+              <a:rPr lang="zh-TW" altLang="en-US" sz="6000" dirty="0"/>
               <a:t>抄襲殺手</a:t>
             </a:r>
           </a:p>

--- a/UNIX 期末報告最終版本v1.pptx
+++ b/UNIX 期末報告最終版本v1.pptx
@@ -30,6 +30,7 @@
     <p:sldId id="279" r:id="rId24"/>
     <p:sldId id="280" r:id="rId25"/>
     <p:sldId id="281" r:id="rId26"/>
+    <p:sldId id="282" r:id="rId27"/>
   </p:sldIdLst>
   <p:sldSz cx="9144000" cy="6858000" type="screen4x3"/>
   <p:notesSz cx="6858000" cy="9144000"/>
@@ -130,7 +131,7 @@
   </p:defaultTextStyle>
   <p:extLst>
     <p:ext uri="{EFAFB233-063F-42B5-8137-9DF3F51BA10A}">
-      <p15:sldGuideLst xmlns:p15="http://schemas.microsoft.com/office/powerpoint/2012/main">
+      <p15:sldGuideLst xmlns:p15="http://schemas.microsoft.com/office/powerpoint/2012/main" xmlns="">
         <p15:guide id="1" orient="horz" pos="2160">
           <p15:clr>
             <a:srgbClr val="A4A3A4"/>
@@ -994,7 +995,7 @@
     </p:spTree>
     <p:extLst>
       <p:ext uri="{BB962C8B-B14F-4D97-AF65-F5344CB8AC3E}">
-        <p14:creationId xmlns:p14="http://schemas.microsoft.com/office/powerpoint/2010/main" val="1654160233"/>
+        <p14:creationId xmlns:p14="http://schemas.microsoft.com/office/powerpoint/2010/main" xmlns="" val="1654160233"/>
       </p:ext>
     </p:extLst>
   </p:cSld>
@@ -1247,7 +1248,7 @@
     </p:spTree>
     <p:extLst>
       <p:ext uri="{BB962C8B-B14F-4D97-AF65-F5344CB8AC3E}">
-        <p14:creationId xmlns:p14="http://schemas.microsoft.com/office/powerpoint/2010/main" val="817280133"/>
+        <p14:creationId xmlns:p14="http://schemas.microsoft.com/office/powerpoint/2010/main" xmlns="" val="817280133"/>
       </p:ext>
     </p:extLst>
   </p:cSld>
@@ -1645,7 +1646,7 @@
     </p:spTree>
     <p:extLst>
       <p:ext uri="{BB962C8B-B14F-4D97-AF65-F5344CB8AC3E}">
-        <p14:creationId xmlns:p14="http://schemas.microsoft.com/office/powerpoint/2010/main" val="1811338851"/>
+        <p14:creationId xmlns:p14="http://schemas.microsoft.com/office/powerpoint/2010/main" xmlns="" val="1811338851"/>
       </p:ext>
     </p:extLst>
   </p:cSld>
@@ -1898,7 +1899,7 @@
     </p:spTree>
     <p:extLst>
       <p:ext uri="{BB962C8B-B14F-4D97-AF65-F5344CB8AC3E}">
-        <p14:creationId xmlns:p14="http://schemas.microsoft.com/office/powerpoint/2010/main" val="1368134197"/>
+        <p14:creationId xmlns:p14="http://schemas.microsoft.com/office/powerpoint/2010/main" xmlns="" val="1368134197"/>
       </p:ext>
     </p:extLst>
   </p:cSld>
@@ -2296,7 +2297,7 @@
     </p:spTree>
     <p:extLst>
       <p:ext uri="{BB962C8B-B14F-4D97-AF65-F5344CB8AC3E}">
-        <p14:creationId xmlns:p14="http://schemas.microsoft.com/office/powerpoint/2010/main" val="876093502"/>
+        <p14:creationId xmlns:p14="http://schemas.microsoft.com/office/powerpoint/2010/main" xmlns="" val="876093502"/>
       </p:ext>
     </p:extLst>
   </p:cSld>
@@ -2609,7 +2610,7 @@
     </p:spTree>
     <p:extLst>
       <p:ext uri="{BB962C8B-B14F-4D97-AF65-F5344CB8AC3E}">
-        <p14:creationId xmlns:p14="http://schemas.microsoft.com/office/powerpoint/2010/main" val="3528600930"/>
+        <p14:creationId xmlns:p14="http://schemas.microsoft.com/office/powerpoint/2010/main" xmlns="" val="3528600930"/>
       </p:ext>
     </p:extLst>
   </p:cSld>
@@ -2781,7 +2782,7 @@
     </p:spTree>
     <p:extLst>
       <p:ext uri="{BB962C8B-B14F-4D97-AF65-F5344CB8AC3E}">
-        <p14:creationId xmlns:p14="http://schemas.microsoft.com/office/powerpoint/2010/main" val="2871849455"/>
+        <p14:creationId xmlns:p14="http://schemas.microsoft.com/office/powerpoint/2010/main" xmlns="" val="2871849455"/>
       </p:ext>
     </p:extLst>
   </p:cSld>
@@ -2963,7 +2964,7 @@
     </p:spTree>
     <p:extLst>
       <p:ext uri="{BB962C8B-B14F-4D97-AF65-F5344CB8AC3E}">
-        <p14:creationId xmlns:p14="http://schemas.microsoft.com/office/powerpoint/2010/main" val="1526866167"/>
+        <p14:creationId xmlns:p14="http://schemas.microsoft.com/office/powerpoint/2010/main" xmlns="" val="1526866167"/>
       </p:ext>
     </p:extLst>
   </p:cSld>
@@ -3135,7 +3136,7 @@
     </p:spTree>
     <p:extLst>
       <p:ext uri="{BB962C8B-B14F-4D97-AF65-F5344CB8AC3E}">
-        <p14:creationId xmlns:p14="http://schemas.microsoft.com/office/powerpoint/2010/main" val="3009556471"/>
+        <p14:creationId xmlns:p14="http://schemas.microsoft.com/office/powerpoint/2010/main" xmlns="" val="3009556471"/>
       </p:ext>
     </p:extLst>
   </p:cSld>
@@ -3384,7 +3385,7 @@
     </p:spTree>
     <p:extLst>
       <p:ext uri="{BB962C8B-B14F-4D97-AF65-F5344CB8AC3E}">
-        <p14:creationId xmlns:p14="http://schemas.microsoft.com/office/powerpoint/2010/main" val="3247119983"/>
+        <p14:creationId xmlns:p14="http://schemas.microsoft.com/office/powerpoint/2010/main" xmlns="" val="3247119983"/>
       </p:ext>
     </p:extLst>
   </p:cSld>
@@ -3683,7 +3684,7 @@
     </p:spTree>
     <p:extLst>
       <p:ext uri="{BB962C8B-B14F-4D97-AF65-F5344CB8AC3E}">
-        <p14:creationId xmlns:p14="http://schemas.microsoft.com/office/powerpoint/2010/main" val="3532694899"/>
+        <p14:creationId xmlns:p14="http://schemas.microsoft.com/office/powerpoint/2010/main" xmlns="" val="3532694899"/>
       </p:ext>
     </p:extLst>
   </p:cSld>
@@ -4064,7 +4065,7 @@
     </p:spTree>
     <p:extLst>
       <p:ext uri="{BB962C8B-B14F-4D97-AF65-F5344CB8AC3E}">
-        <p14:creationId xmlns:p14="http://schemas.microsoft.com/office/powerpoint/2010/main" val="285079829"/>
+        <p14:creationId xmlns:p14="http://schemas.microsoft.com/office/powerpoint/2010/main" xmlns="" val="285079829"/>
       </p:ext>
     </p:extLst>
   </p:cSld>
@@ -4189,7 +4190,7 @@
     </p:spTree>
     <p:extLst>
       <p:ext uri="{BB962C8B-B14F-4D97-AF65-F5344CB8AC3E}">
-        <p14:creationId xmlns:p14="http://schemas.microsoft.com/office/powerpoint/2010/main" val="466003883"/>
+        <p14:creationId xmlns:p14="http://schemas.microsoft.com/office/powerpoint/2010/main" xmlns="" val="466003883"/>
       </p:ext>
     </p:extLst>
   </p:cSld>
@@ -4286,7 +4287,7 @@
     </p:spTree>
     <p:extLst>
       <p:ext uri="{BB962C8B-B14F-4D97-AF65-F5344CB8AC3E}">
-        <p14:creationId xmlns:p14="http://schemas.microsoft.com/office/powerpoint/2010/main" val="767314521"/>
+        <p14:creationId xmlns:p14="http://schemas.microsoft.com/office/powerpoint/2010/main" xmlns="" val="767314521"/>
       </p:ext>
     </p:extLst>
   </p:cSld>
@@ -4543,7 +4544,7 @@
     </p:spTree>
     <p:extLst>
       <p:ext uri="{BB962C8B-B14F-4D97-AF65-F5344CB8AC3E}">
-        <p14:creationId xmlns:p14="http://schemas.microsoft.com/office/powerpoint/2010/main" val="1834743030"/>
+        <p14:creationId xmlns:p14="http://schemas.microsoft.com/office/powerpoint/2010/main" xmlns="" val="1834743030"/>
       </p:ext>
     </p:extLst>
   </p:cSld>
@@ -4808,7 +4809,7 @@
     </p:spTree>
     <p:extLst>
       <p:ext uri="{BB962C8B-B14F-4D97-AF65-F5344CB8AC3E}">
-        <p14:creationId xmlns:p14="http://schemas.microsoft.com/office/powerpoint/2010/main" val="1971730288"/>
+        <p14:creationId xmlns:p14="http://schemas.microsoft.com/office/powerpoint/2010/main" xmlns="" val="1971730288"/>
       </p:ext>
     </p:extLst>
   </p:cSld>
@@ -5658,7 +5659,7 @@
     </p:spTree>
     <p:extLst>
       <p:ext uri="{BB962C8B-B14F-4D97-AF65-F5344CB8AC3E}">
-        <p14:creationId xmlns:p14="http://schemas.microsoft.com/office/powerpoint/2010/main" val="436803838"/>
+        <p14:creationId xmlns:p14="http://schemas.microsoft.com/office/powerpoint/2010/main" xmlns="" val="436803838"/>
       </p:ext>
     </p:extLst>
   </p:cSld>
@@ -6128,6 +6129,10 @@
               <a:rPr lang="zh-TW" altLang="en-US" sz="6000" dirty="0"/>
               <a:t> </a:t>
             </a:r>
+            <a:r>
+              <a:rPr lang="en-US" altLang="zh-TW" sz="6000" dirty="0"/>
+              <a:t/>
+            </a:r>
             <a:br>
               <a:rPr lang="en-US" altLang="zh-TW" sz="6000" dirty="0"/>
             </a:br>
@@ -6237,8 +6242,8 @@
         </p:blipFill>
         <p:spPr>
           <a:xfrm>
-            <a:off x="609599" y="1700808"/>
-            <a:ext cx="7111486" cy="4335763"/>
+            <a:off x="107504" y="1268760"/>
+            <a:ext cx="8528770" cy="5199859"/>
           </a:xfrm>
         </p:spPr>
       </p:pic>
@@ -6311,8 +6316,8 @@
         </p:blipFill>
         <p:spPr>
           <a:xfrm>
-            <a:off x="827584" y="1700808"/>
-            <a:ext cx="6885928" cy="4027432"/>
+            <a:off x="251520" y="1412776"/>
+            <a:ext cx="8352929" cy="4885450"/>
           </a:xfrm>
         </p:spPr>
       </p:pic>
@@ -6385,8 +6390,8 @@
         </p:blipFill>
         <p:spPr>
           <a:xfrm>
-            <a:off x="609599" y="1772816"/>
-            <a:ext cx="7028245" cy="4187770"/>
+            <a:off x="179512" y="1484784"/>
+            <a:ext cx="8280920" cy="4934175"/>
           </a:xfrm>
         </p:spPr>
       </p:pic>
@@ -6456,8 +6461,8 @@
         </p:blipFill>
         <p:spPr>
           <a:xfrm>
-            <a:off x="975836" y="2554446"/>
-            <a:ext cx="5615940" cy="3093720"/>
+            <a:off x="467544" y="1556792"/>
+            <a:ext cx="7968792" cy="4389864"/>
           </a:xfrm>
         </p:spPr>
       </p:pic>
@@ -6841,7 +6846,7 @@
     </p:spTree>
     <p:extLst>
       <p:ext uri="{BB962C8B-B14F-4D97-AF65-F5344CB8AC3E}">
-        <p14:creationId xmlns:p14="http://schemas.microsoft.com/office/powerpoint/2010/main" val="2664604248"/>
+        <p14:creationId xmlns:p14="http://schemas.microsoft.com/office/powerpoint/2010/main" xmlns="" val="2664604248"/>
       </p:ext>
     </p:extLst>
   </p:cSld>
@@ -6901,10 +6906,10 @@
           </p:nvPr>
         </p:nvPicPr>
         <p:blipFill>
-          <a:blip r:embed="rId2">
+          <a:blip r:embed="rId2" cstate="print">
             <a:extLst>
               <a:ext uri="{28A0092B-C50C-407E-A947-70E740481C1C}">
-                <a14:useLocalDpi xmlns:a14="http://schemas.microsoft.com/office/drawing/2010/main" val="0"/>
+                <a14:useLocalDpi xmlns:a14="http://schemas.microsoft.com/office/drawing/2010/main" xmlns="" val="0"/>
               </a:ext>
             </a:extLst>
           </a:blip>
@@ -6922,7 +6927,7 @@
     </p:spTree>
     <p:extLst>
       <p:ext uri="{BB962C8B-B14F-4D97-AF65-F5344CB8AC3E}">
-        <p14:creationId xmlns:p14="http://schemas.microsoft.com/office/powerpoint/2010/main" val="2684818226"/>
+        <p14:creationId xmlns:p14="http://schemas.microsoft.com/office/powerpoint/2010/main" xmlns="" val="2684818226"/>
       </p:ext>
     </p:extLst>
   </p:cSld>
@@ -6982,10 +6987,10 @@
           </p:nvPr>
         </p:nvPicPr>
         <p:blipFill>
-          <a:blip r:embed="rId2">
+          <a:blip r:embed="rId2" cstate="print">
             <a:extLst>
               <a:ext uri="{28A0092B-C50C-407E-A947-70E740481C1C}">
-                <a14:useLocalDpi xmlns:a14="http://schemas.microsoft.com/office/drawing/2010/main" val="0"/>
+                <a14:useLocalDpi xmlns:a14="http://schemas.microsoft.com/office/drawing/2010/main" xmlns="" val="0"/>
               </a:ext>
             </a:extLst>
           </a:blip>
@@ -7003,7 +7008,7 @@
     </p:spTree>
     <p:extLst>
       <p:ext uri="{BB962C8B-B14F-4D97-AF65-F5344CB8AC3E}">
-        <p14:creationId xmlns:p14="http://schemas.microsoft.com/office/powerpoint/2010/main" val="3679252773"/>
+        <p14:creationId xmlns:p14="http://schemas.microsoft.com/office/powerpoint/2010/main" xmlns="" val="3679252773"/>
       </p:ext>
     </p:extLst>
   </p:cSld>
@@ -7035,7 +7040,7 @@
           <p:cNvPr id="2" name="標題 1">
             <a:extLst>
               <a:ext uri="{FF2B5EF4-FFF2-40B4-BE49-F238E27FC236}">
-                <a16:creationId xmlns:a16="http://schemas.microsoft.com/office/drawing/2014/main" id="{00569094-EF5D-4E50-A52E-FCCC8D01B52B}"/>
+                <a16:creationId xmlns:a16="http://schemas.microsoft.com/office/drawing/2014/main" xmlns="" id="{00569094-EF5D-4E50-A52E-FCCC8D01B52B}"/>
               </a:ext>
             </a:extLst>
           </p:cNvPr>
@@ -7064,6 +7069,10 @@
               <a:rPr lang="en-US" altLang="zh-TW" b="1" dirty="0"/>
               <a:t>:</a:t>
             </a:r>
+            <a:r>
+              <a:rPr lang="zh-TW" altLang="zh-TW" dirty="0"/>
+              <a:t/>
+            </a:r>
             <a:br>
               <a:rPr lang="zh-TW" altLang="zh-TW" dirty="0"/>
             </a:br>
@@ -7076,7 +7085,7 @@
           <p:cNvPr id="3" name="內容版面配置區 2">
             <a:extLst>
               <a:ext uri="{FF2B5EF4-FFF2-40B4-BE49-F238E27FC236}">
-                <a16:creationId xmlns:a16="http://schemas.microsoft.com/office/drawing/2014/main" id="{E882AEC8-C80C-4D96-9528-9B8DB34067FB}"/>
+                <a16:creationId xmlns:a16="http://schemas.microsoft.com/office/drawing/2014/main" xmlns="" id="{E882AEC8-C80C-4D96-9528-9B8DB34067FB}"/>
               </a:ext>
             </a:extLst>
           </p:cNvPr>
@@ -7122,7 +7131,7 @@
     </p:spTree>
     <p:extLst>
       <p:ext uri="{BB962C8B-B14F-4D97-AF65-F5344CB8AC3E}">
-        <p14:creationId xmlns:p14="http://schemas.microsoft.com/office/powerpoint/2010/main" val="3218781378"/>
+        <p14:creationId xmlns:p14="http://schemas.microsoft.com/office/powerpoint/2010/main" xmlns="" val="3218781378"/>
       </p:ext>
     </p:extLst>
   </p:cSld>
@@ -7182,10 +7191,10 @@
           </p:nvPr>
         </p:nvPicPr>
         <p:blipFill>
-          <a:blip r:embed="rId2">
+          <a:blip r:embed="rId2" cstate="print">
             <a:extLst>
               <a:ext uri="{28A0092B-C50C-407E-A947-70E740481C1C}">
-                <a14:useLocalDpi xmlns:a14="http://schemas.microsoft.com/office/drawing/2010/main" val="0"/>
+                <a14:useLocalDpi xmlns:a14="http://schemas.microsoft.com/office/drawing/2010/main" xmlns="" val="0"/>
               </a:ext>
             </a:extLst>
           </a:blip>
@@ -7203,7 +7212,7 @@
     </p:spTree>
     <p:extLst>
       <p:ext uri="{BB962C8B-B14F-4D97-AF65-F5344CB8AC3E}">
-        <p14:creationId xmlns:p14="http://schemas.microsoft.com/office/powerpoint/2010/main" val="3165358875"/>
+        <p14:creationId xmlns:p14="http://schemas.microsoft.com/office/powerpoint/2010/main" xmlns="" val="3165358875"/>
       </p:ext>
     </p:extLst>
   </p:cSld>
@@ -7263,10 +7272,10 @@
           </p:nvPr>
         </p:nvPicPr>
         <p:blipFill>
-          <a:blip r:embed="rId2">
+          <a:blip r:embed="rId2" cstate="print">
             <a:extLst>
               <a:ext uri="{28A0092B-C50C-407E-A947-70E740481C1C}">
-                <a14:useLocalDpi xmlns:a14="http://schemas.microsoft.com/office/drawing/2010/main" val="0"/>
+                <a14:useLocalDpi xmlns:a14="http://schemas.microsoft.com/office/drawing/2010/main" xmlns="" val="0"/>
               </a:ext>
             </a:extLst>
           </a:blip>
@@ -7284,7 +7293,7 @@
     </p:spTree>
     <p:extLst>
       <p:ext uri="{BB962C8B-B14F-4D97-AF65-F5344CB8AC3E}">
-        <p14:creationId xmlns:p14="http://schemas.microsoft.com/office/powerpoint/2010/main" val="4086567264"/>
+        <p14:creationId xmlns:p14="http://schemas.microsoft.com/office/powerpoint/2010/main" xmlns="" val="4086567264"/>
       </p:ext>
     </p:extLst>
   </p:cSld>
@@ -7344,10 +7353,10 @@
           </p:nvPr>
         </p:nvPicPr>
         <p:blipFill>
-          <a:blip r:embed="rId2">
+          <a:blip r:embed="rId2" cstate="print">
             <a:extLst>
               <a:ext uri="{28A0092B-C50C-407E-A947-70E740481C1C}">
-                <a14:useLocalDpi xmlns:a14="http://schemas.microsoft.com/office/drawing/2010/main" val="0"/>
+                <a14:useLocalDpi xmlns:a14="http://schemas.microsoft.com/office/drawing/2010/main" xmlns="" val="0"/>
               </a:ext>
             </a:extLst>
           </a:blip>
@@ -7365,7 +7374,7 @@
     </p:spTree>
     <p:extLst>
       <p:ext uri="{BB962C8B-B14F-4D97-AF65-F5344CB8AC3E}">
-        <p14:creationId xmlns:p14="http://schemas.microsoft.com/office/powerpoint/2010/main" val="872002379"/>
+        <p14:creationId xmlns:p14="http://schemas.microsoft.com/office/powerpoint/2010/main" xmlns="" val="872002379"/>
       </p:ext>
     </p:extLst>
   </p:cSld>
@@ -7425,10 +7434,10 @@
           </p:nvPr>
         </p:nvPicPr>
         <p:blipFill>
-          <a:blip r:embed="rId2">
+          <a:blip r:embed="rId2" cstate="print">
             <a:extLst>
               <a:ext uri="{28A0092B-C50C-407E-A947-70E740481C1C}">
-                <a14:useLocalDpi xmlns:a14="http://schemas.microsoft.com/office/drawing/2010/main" val="0"/>
+                <a14:useLocalDpi xmlns:a14="http://schemas.microsoft.com/office/drawing/2010/main" xmlns="" val="0"/>
               </a:ext>
             </a:extLst>
           </a:blip>
@@ -7446,7 +7455,7 @@
     </p:spTree>
     <p:extLst>
       <p:ext uri="{BB962C8B-B14F-4D97-AF65-F5344CB8AC3E}">
-        <p14:creationId xmlns:p14="http://schemas.microsoft.com/office/powerpoint/2010/main" val="2913439249"/>
+        <p14:creationId xmlns:p14="http://schemas.microsoft.com/office/powerpoint/2010/main" xmlns="" val="2913439249"/>
       </p:ext>
     </p:extLst>
   </p:cSld>
@@ -7506,10 +7515,10 @@
           </p:nvPr>
         </p:nvPicPr>
         <p:blipFill>
-          <a:blip r:embed="rId2">
+          <a:blip r:embed="rId2" cstate="print">
             <a:extLst>
               <a:ext uri="{28A0092B-C50C-407E-A947-70E740481C1C}">
-                <a14:useLocalDpi xmlns:a14="http://schemas.microsoft.com/office/drawing/2010/main" val="0"/>
+                <a14:useLocalDpi xmlns:a14="http://schemas.microsoft.com/office/drawing/2010/main" xmlns="" val="0"/>
               </a:ext>
             </a:extLst>
           </a:blip>
@@ -7527,7 +7536,7 @@
     </p:spTree>
     <p:extLst>
       <p:ext uri="{BB962C8B-B14F-4D97-AF65-F5344CB8AC3E}">
-        <p14:creationId xmlns:p14="http://schemas.microsoft.com/office/powerpoint/2010/main" val="1540803572"/>
+        <p14:creationId xmlns:p14="http://schemas.microsoft.com/office/powerpoint/2010/main" xmlns="" val="1540803572"/>
       </p:ext>
     </p:extLst>
   </p:cSld>
@@ -7587,10 +7596,10 @@
           </p:nvPr>
         </p:nvPicPr>
         <p:blipFill>
-          <a:blip r:embed="rId2">
+          <a:blip r:embed="rId2" cstate="print">
             <a:extLst>
               <a:ext uri="{28A0092B-C50C-407E-A947-70E740481C1C}">
-                <a14:useLocalDpi xmlns:a14="http://schemas.microsoft.com/office/drawing/2010/main" val="0"/>
+                <a14:useLocalDpi xmlns:a14="http://schemas.microsoft.com/office/drawing/2010/main" xmlns="" val="0"/>
               </a:ext>
             </a:extLst>
           </a:blip>
@@ -7608,9 +7617,70 @@
     </p:spTree>
     <p:extLst>
       <p:ext uri="{BB962C8B-B14F-4D97-AF65-F5344CB8AC3E}">
-        <p14:creationId xmlns:p14="http://schemas.microsoft.com/office/powerpoint/2010/main" val="3442418432"/>
+        <p14:creationId xmlns:p14="http://schemas.microsoft.com/office/powerpoint/2010/main" xmlns="" val="3442418432"/>
       </p:ext>
     </p:extLst>
+  </p:cSld>
+  <p:clrMapOvr>
+    <a:masterClrMapping/>
+  </p:clrMapOvr>
+</p:sld>
+</file>
+
+<file path=ppt/slides/slide26.xml><?xml version="1.0" encoding="utf-8"?>
+<p:sld xmlns:a="http://schemas.openxmlformats.org/drawingml/2006/main" xmlns:r="http://schemas.openxmlformats.org/officeDocument/2006/relationships" xmlns:p="http://schemas.openxmlformats.org/presentationml/2006/main">
+  <p:cSld>
+    <p:spTree>
+      <p:nvGrpSpPr>
+        <p:cNvPr id="1" name=""/>
+        <p:cNvGrpSpPr/>
+        <p:nvPr/>
+      </p:nvGrpSpPr>
+      <p:grpSpPr>
+        <a:xfrm>
+          <a:off x="0" y="0"/>
+          <a:ext cx="0" cy="0"/>
+          <a:chOff x="0" y="0"/>
+          <a:chExt cx="0" cy="0"/>
+        </a:xfrm>
+      </p:grpSpPr>
+      <p:sp>
+        <p:nvSpPr>
+          <p:cNvPr id="2" name="標題 1"/>
+          <p:cNvSpPr>
+            <a:spLocks noGrp="1"/>
+          </p:cNvSpPr>
+          <p:nvPr>
+            <p:ph type="title"/>
+          </p:nvPr>
+        </p:nvSpPr>
+        <p:spPr>
+          <a:xfrm>
+            <a:off x="2771800" y="2636912"/>
+            <a:ext cx="7344816" cy="1752848"/>
+          </a:xfrm>
+        </p:spPr>
+        <p:txBody>
+          <a:bodyPr/>
+          <a:lstStyle/>
+          <a:p>
+            <a:r>
+              <a:rPr lang="en-US" altLang="zh-TW" dirty="0" smtClean="0"/>
+              <a:t>THE</a:t>
+            </a:r>
+            <a:r>
+              <a:rPr lang="zh-TW" altLang="en-US" dirty="0" smtClean="0"/>
+              <a:t> </a:t>
+            </a:r>
+            <a:r>
+              <a:rPr lang="en-US" altLang="zh-TW" dirty="0" smtClean="0"/>
+              <a:t>END</a:t>
+            </a:r>
+            <a:endParaRPr lang="zh-TW" altLang="en-US" dirty="0"/>
+          </a:p>
+        </p:txBody>
+      </p:sp>
+    </p:spTree>
   </p:cSld>
   <p:clrMapOvr>
     <a:masterClrMapping/>
@@ -7640,7 +7710,7 @@
           <p:cNvPr id="2" name="標題 1">
             <a:extLst>
               <a:ext uri="{FF2B5EF4-FFF2-40B4-BE49-F238E27FC236}">
-                <a16:creationId xmlns:a16="http://schemas.microsoft.com/office/drawing/2014/main" id="{D8654501-B411-470A-87AE-AEE33987076D}"/>
+                <a16:creationId xmlns:a16="http://schemas.microsoft.com/office/drawing/2014/main" xmlns="" id="{D8654501-B411-470A-87AE-AEE33987076D}"/>
               </a:ext>
             </a:extLst>
           </p:cNvPr>
@@ -7663,6 +7733,10 @@
             <a:r>
               <a:rPr lang="en-US" altLang="zh-TW" b="1" dirty="0"/>
               <a:t>:</a:t>
+            </a:r>
+            <a:r>
+              <a:rPr lang="zh-TW" altLang="zh-TW" dirty="0"/>
+              <a:t/>
             </a:r>
             <a:br>
               <a:rPr lang="zh-TW" altLang="zh-TW" dirty="0"/>
@@ -7676,7 +7750,7 @@
           <p:cNvPr id="3" name="內容版面配置區 2">
             <a:extLst>
               <a:ext uri="{FF2B5EF4-FFF2-40B4-BE49-F238E27FC236}">
-                <a16:creationId xmlns:a16="http://schemas.microsoft.com/office/drawing/2014/main" id="{EA28229F-78C7-4EA8-AC0C-BC657996D65B}"/>
+                <a16:creationId xmlns:a16="http://schemas.microsoft.com/office/drawing/2014/main" xmlns="" id="{EA28229F-78C7-4EA8-AC0C-BC657996D65B}"/>
               </a:ext>
             </a:extLst>
           </p:cNvPr>
@@ -7967,7 +8041,7 @@
     </p:spTree>
     <p:extLst>
       <p:ext uri="{BB962C8B-B14F-4D97-AF65-F5344CB8AC3E}">
-        <p14:creationId xmlns:p14="http://schemas.microsoft.com/office/powerpoint/2010/main" val="3439624770"/>
+        <p14:creationId xmlns:p14="http://schemas.microsoft.com/office/powerpoint/2010/main" xmlns="" val="3439624770"/>
       </p:ext>
     </p:extLst>
   </p:cSld>
@@ -8047,8 +8121,8 @@
         </p:blipFill>
         <p:spPr>
           <a:xfrm>
-            <a:off x="609600" y="2287474"/>
-            <a:ext cx="6348413" cy="3627664"/>
+            <a:off x="-38980" y="1268760"/>
+            <a:ext cx="9182980" cy="5247416"/>
           </a:xfrm>
         </p:spPr>
       </p:pic>
@@ -8204,8 +8278,8 @@
         </p:blipFill>
         <p:spPr>
           <a:xfrm>
-            <a:off x="467544" y="1556792"/>
-            <a:ext cx="7954764" cy="4575412"/>
+            <a:off x="-1" y="1628800"/>
+            <a:ext cx="9091433" cy="5229200"/>
           </a:xfrm>
         </p:spPr>
       </p:pic>
@@ -8278,8 +8352,8 @@
         </p:blipFill>
         <p:spPr>
           <a:xfrm>
-            <a:off x="1239957" y="2160588"/>
-            <a:ext cx="5087698" cy="3881437"/>
+            <a:off x="323528" y="1244554"/>
+            <a:ext cx="6912768" cy="5273795"/>
           </a:xfrm>
         </p:spPr>
       </p:pic>
@@ -8352,8 +8426,8 @@
         </p:blipFill>
         <p:spPr>
           <a:xfrm>
-            <a:off x="642146" y="1763167"/>
-            <a:ext cx="6779623" cy="4485233"/>
+            <a:off x="107504" y="1484784"/>
+            <a:ext cx="7853470" cy="5195664"/>
           </a:xfrm>
         </p:spPr>
       </p:pic>
@@ -8426,8 +8500,8 @@
         </p:blipFill>
         <p:spPr>
           <a:xfrm>
-            <a:off x="754419" y="1340768"/>
-            <a:ext cx="6202893" cy="4768251"/>
+            <a:off x="323528" y="1268760"/>
+            <a:ext cx="6912768" cy="5313942"/>
           </a:xfrm>
         </p:spPr>
       </p:pic>
@@ -8482,7 +8556,7 @@
     </a:clrScheme>
     <a:fontScheme name="多面向">
       <a:majorFont>
-        <a:latin typeface="Trebuchet MS" panose="020B0603020202020204"/>
+        <a:latin typeface="Trebuchet MS"/>
         <a:ea typeface=""/>
         <a:cs typeface=""/>
         <a:font script="Jpan" typeface="メイリオ"/>
@@ -8517,7 +8591,7 @@
         <a:font script="Geor" typeface="Sylfaen"/>
       </a:majorFont>
       <a:minorFont>
-        <a:latin typeface="Trebuchet MS" panose="020B0603020202020204"/>
+        <a:latin typeface="Trebuchet MS"/>
         <a:ea typeface=""/>
         <a:cs typeface=""/>
         <a:font script="Jpan" typeface="メイリオ"/>
@@ -8690,7 +8764,7 @@
   <a:extraClrSchemeLst/>
   <a:extLst>
     <a:ext uri="{05A4C25C-085E-4340-85A3-A5531E510DB2}">
-      <thm15:themeFamily xmlns:thm15="http://schemas.microsoft.com/office/thememl/2012/main" name="Facet" id="{C0C680CD-088A-49FC-A102-D699147F32B2}" vid="{CFBC31BA-B70F-4F30-BCAA-4F3011E16C4D}"/>
+      <thm15:themeFamily xmlns:thm15="http://schemas.microsoft.com/office/thememl/2012/main" xmlns="" name="Facet" id="{C0C680CD-088A-49FC-A102-D699147F32B2}" vid="{CFBC31BA-B70F-4F30-BCAA-4F3011E16C4D}"/>
     </a:ext>
   </a:extLst>
 </a:theme>

--- a/UNIX 期末報告最終版本v1.pptx
+++ b/UNIX 期末報告最終版本v1.pptx
@@ -8,29 +8,30 @@
     <p:sldId id="256" r:id="rId2"/>
     <p:sldId id="270" r:id="rId3"/>
     <p:sldId id="271" r:id="rId4"/>
-    <p:sldId id="257" r:id="rId5"/>
-    <p:sldId id="258" r:id="rId6"/>
-    <p:sldId id="263" r:id="rId7"/>
-    <p:sldId id="268" r:id="rId8"/>
-    <p:sldId id="267" r:id="rId9"/>
-    <p:sldId id="266" r:id="rId10"/>
-    <p:sldId id="265" r:id="rId11"/>
-    <p:sldId id="264" r:id="rId12"/>
-    <p:sldId id="269" r:id="rId13"/>
-    <p:sldId id="259" r:id="rId14"/>
-    <p:sldId id="260" r:id="rId15"/>
-    <p:sldId id="261" r:id="rId16"/>
-    <p:sldId id="262" r:id="rId17"/>
-    <p:sldId id="273" r:id="rId18"/>
-    <p:sldId id="274" r:id="rId19"/>
-    <p:sldId id="275" r:id="rId20"/>
-    <p:sldId id="276" r:id="rId21"/>
-    <p:sldId id="277" r:id="rId22"/>
-    <p:sldId id="278" r:id="rId23"/>
-    <p:sldId id="279" r:id="rId24"/>
-    <p:sldId id="280" r:id="rId25"/>
-    <p:sldId id="281" r:id="rId26"/>
-    <p:sldId id="282" r:id="rId27"/>
+    <p:sldId id="283" r:id="rId5"/>
+    <p:sldId id="257" r:id="rId6"/>
+    <p:sldId id="258" r:id="rId7"/>
+    <p:sldId id="263" r:id="rId8"/>
+    <p:sldId id="268" r:id="rId9"/>
+    <p:sldId id="267" r:id="rId10"/>
+    <p:sldId id="266" r:id="rId11"/>
+    <p:sldId id="265" r:id="rId12"/>
+    <p:sldId id="264" r:id="rId13"/>
+    <p:sldId id="269" r:id="rId14"/>
+    <p:sldId id="259" r:id="rId15"/>
+    <p:sldId id="260" r:id="rId16"/>
+    <p:sldId id="261" r:id="rId17"/>
+    <p:sldId id="262" r:id="rId18"/>
+    <p:sldId id="273" r:id="rId19"/>
+    <p:sldId id="274" r:id="rId20"/>
+    <p:sldId id="275" r:id="rId21"/>
+    <p:sldId id="276" r:id="rId22"/>
+    <p:sldId id="277" r:id="rId23"/>
+    <p:sldId id="278" r:id="rId24"/>
+    <p:sldId id="279" r:id="rId25"/>
+    <p:sldId id="280" r:id="rId26"/>
+    <p:sldId id="281" r:id="rId27"/>
+    <p:sldId id="282" r:id="rId28"/>
   </p:sldIdLst>
   <p:sldSz cx="9144000" cy="6858000" type="screen4x3"/>
   <p:notesSz cx="6858000" cy="9144000"/>
@@ -131,7 +132,7 @@
   </p:defaultTextStyle>
   <p:extLst>
     <p:ext uri="{EFAFB233-063F-42B5-8137-9DF3F51BA10A}">
-      <p15:sldGuideLst xmlns:p15="http://schemas.microsoft.com/office/powerpoint/2012/main" xmlns="">
+      <p15:sldGuideLst xmlns:p15="http://schemas.microsoft.com/office/powerpoint/2012/main">
         <p15:guide id="1" orient="horz" pos="2160">
           <p15:clr>
             <a:srgbClr val="A4A3A4"/>
@@ -995,7 +996,7 @@
     </p:spTree>
     <p:extLst>
       <p:ext uri="{BB962C8B-B14F-4D97-AF65-F5344CB8AC3E}">
-        <p14:creationId xmlns:p14="http://schemas.microsoft.com/office/powerpoint/2010/main" xmlns="" val="1654160233"/>
+        <p14:creationId xmlns:p14="http://schemas.microsoft.com/office/powerpoint/2010/main" val="1654160233"/>
       </p:ext>
     </p:extLst>
   </p:cSld>
@@ -1248,7 +1249,7 @@
     </p:spTree>
     <p:extLst>
       <p:ext uri="{BB962C8B-B14F-4D97-AF65-F5344CB8AC3E}">
-        <p14:creationId xmlns:p14="http://schemas.microsoft.com/office/powerpoint/2010/main" xmlns="" val="817280133"/>
+        <p14:creationId xmlns:p14="http://schemas.microsoft.com/office/powerpoint/2010/main" val="817280133"/>
       </p:ext>
     </p:extLst>
   </p:cSld>
@@ -1646,7 +1647,7 @@
     </p:spTree>
     <p:extLst>
       <p:ext uri="{BB962C8B-B14F-4D97-AF65-F5344CB8AC3E}">
-        <p14:creationId xmlns:p14="http://schemas.microsoft.com/office/powerpoint/2010/main" xmlns="" val="1811338851"/>
+        <p14:creationId xmlns:p14="http://schemas.microsoft.com/office/powerpoint/2010/main" val="1811338851"/>
       </p:ext>
     </p:extLst>
   </p:cSld>
@@ -1899,7 +1900,7 @@
     </p:spTree>
     <p:extLst>
       <p:ext uri="{BB962C8B-B14F-4D97-AF65-F5344CB8AC3E}">
-        <p14:creationId xmlns:p14="http://schemas.microsoft.com/office/powerpoint/2010/main" xmlns="" val="1368134197"/>
+        <p14:creationId xmlns:p14="http://schemas.microsoft.com/office/powerpoint/2010/main" val="1368134197"/>
       </p:ext>
     </p:extLst>
   </p:cSld>
@@ -2297,7 +2298,7 @@
     </p:spTree>
     <p:extLst>
       <p:ext uri="{BB962C8B-B14F-4D97-AF65-F5344CB8AC3E}">
-        <p14:creationId xmlns:p14="http://schemas.microsoft.com/office/powerpoint/2010/main" xmlns="" val="876093502"/>
+        <p14:creationId xmlns:p14="http://schemas.microsoft.com/office/powerpoint/2010/main" val="876093502"/>
       </p:ext>
     </p:extLst>
   </p:cSld>
@@ -2610,7 +2611,7 @@
     </p:spTree>
     <p:extLst>
       <p:ext uri="{BB962C8B-B14F-4D97-AF65-F5344CB8AC3E}">
-        <p14:creationId xmlns:p14="http://schemas.microsoft.com/office/powerpoint/2010/main" xmlns="" val="3528600930"/>
+        <p14:creationId xmlns:p14="http://schemas.microsoft.com/office/powerpoint/2010/main" val="3528600930"/>
       </p:ext>
     </p:extLst>
   </p:cSld>
@@ -2782,7 +2783,7 @@
     </p:spTree>
     <p:extLst>
       <p:ext uri="{BB962C8B-B14F-4D97-AF65-F5344CB8AC3E}">
-        <p14:creationId xmlns:p14="http://schemas.microsoft.com/office/powerpoint/2010/main" xmlns="" val="2871849455"/>
+        <p14:creationId xmlns:p14="http://schemas.microsoft.com/office/powerpoint/2010/main" val="2871849455"/>
       </p:ext>
     </p:extLst>
   </p:cSld>
@@ -2964,7 +2965,7 @@
     </p:spTree>
     <p:extLst>
       <p:ext uri="{BB962C8B-B14F-4D97-AF65-F5344CB8AC3E}">
-        <p14:creationId xmlns:p14="http://schemas.microsoft.com/office/powerpoint/2010/main" xmlns="" val="1526866167"/>
+        <p14:creationId xmlns:p14="http://schemas.microsoft.com/office/powerpoint/2010/main" val="1526866167"/>
       </p:ext>
     </p:extLst>
   </p:cSld>
@@ -3136,7 +3137,7 @@
     </p:spTree>
     <p:extLst>
       <p:ext uri="{BB962C8B-B14F-4D97-AF65-F5344CB8AC3E}">
-        <p14:creationId xmlns:p14="http://schemas.microsoft.com/office/powerpoint/2010/main" xmlns="" val="3009556471"/>
+        <p14:creationId xmlns:p14="http://schemas.microsoft.com/office/powerpoint/2010/main" val="3009556471"/>
       </p:ext>
     </p:extLst>
   </p:cSld>
@@ -3385,7 +3386,7 @@
     </p:spTree>
     <p:extLst>
       <p:ext uri="{BB962C8B-B14F-4D97-AF65-F5344CB8AC3E}">
-        <p14:creationId xmlns:p14="http://schemas.microsoft.com/office/powerpoint/2010/main" xmlns="" val="3247119983"/>
+        <p14:creationId xmlns:p14="http://schemas.microsoft.com/office/powerpoint/2010/main" val="3247119983"/>
       </p:ext>
     </p:extLst>
   </p:cSld>
@@ -3684,7 +3685,7 @@
     </p:spTree>
     <p:extLst>
       <p:ext uri="{BB962C8B-B14F-4D97-AF65-F5344CB8AC3E}">
-        <p14:creationId xmlns:p14="http://schemas.microsoft.com/office/powerpoint/2010/main" xmlns="" val="3532694899"/>
+        <p14:creationId xmlns:p14="http://schemas.microsoft.com/office/powerpoint/2010/main" val="3532694899"/>
       </p:ext>
     </p:extLst>
   </p:cSld>
@@ -4065,7 +4066,7 @@
     </p:spTree>
     <p:extLst>
       <p:ext uri="{BB962C8B-B14F-4D97-AF65-F5344CB8AC3E}">
-        <p14:creationId xmlns:p14="http://schemas.microsoft.com/office/powerpoint/2010/main" xmlns="" val="285079829"/>
+        <p14:creationId xmlns:p14="http://schemas.microsoft.com/office/powerpoint/2010/main" val="285079829"/>
       </p:ext>
     </p:extLst>
   </p:cSld>
@@ -4190,7 +4191,7 @@
     </p:spTree>
     <p:extLst>
       <p:ext uri="{BB962C8B-B14F-4D97-AF65-F5344CB8AC3E}">
-        <p14:creationId xmlns:p14="http://schemas.microsoft.com/office/powerpoint/2010/main" xmlns="" val="466003883"/>
+        <p14:creationId xmlns:p14="http://schemas.microsoft.com/office/powerpoint/2010/main" val="466003883"/>
       </p:ext>
     </p:extLst>
   </p:cSld>
@@ -4287,7 +4288,7 @@
     </p:spTree>
     <p:extLst>
       <p:ext uri="{BB962C8B-B14F-4D97-AF65-F5344CB8AC3E}">
-        <p14:creationId xmlns:p14="http://schemas.microsoft.com/office/powerpoint/2010/main" xmlns="" val="767314521"/>
+        <p14:creationId xmlns:p14="http://schemas.microsoft.com/office/powerpoint/2010/main" val="767314521"/>
       </p:ext>
     </p:extLst>
   </p:cSld>
@@ -4544,7 +4545,7 @@
     </p:spTree>
     <p:extLst>
       <p:ext uri="{BB962C8B-B14F-4D97-AF65-F5344CB8AC3E}">
-        <p14:creationId xmlns:p14="http://schemas.microsoft.com/office/powerpoint/2010/main" xmlns="" val="1834743030"/>
+        <p14:creationId xmlns:p14="http://schemas.microsoft.com/office/powerpoint/2010/main" val="1834743030"/>
       </p:ext>
     </p:extLst>
   </p:cSld>
@@ -4809,7 +4810,7 @@
     </p:spTree>
     <p:extLst>
       <p:ext uri="{BB962C8B-B14F-4D97-AF65-F5344CB8AC3E}">
-        <p14:creationId xmlns:p14="http://schemas.microsoft.com/office/powerpoint/2010/main" xmlns="" val="1971730288"/>
+        <p14:creationId xmlns:p14="http://schemas.microsoft.com/office/powerpoint/2010/main" val="1971730288"/>
       </p:ext>
     </p:extLst>
   </p:cSld>
@@ -5659,7 +5660,7 @@
     </p:spTree>
     <p:extLst>
       <p:ext uri="{BB962C8B-B14F-4D97-AF65-F5344CB8AC3E}">
-        <p14:creationId xmlns:p14="http://schemas.microsoft.com/office/powerpoint/2010/main" xmlns="" val="436803838"/>
+        <p14:creationId xmlns:p14="http://schemas.microsoft.com/office/powerpoint/2010/main" val="436803838"/>
       </p:ext>
     </p:extLst>
   </p:cSld>
@@ -6129,10 +6130,6 @@
               <a:rPr lang="zh-TW" altLang="en-US" sz="6000" dirty="0"/>
               <a:t> </a:t>
             </a:r>
-            <a:r>
-              <a:rPr lang="en-US" altLang="zh-TW" sz="6000" dirty="0"/>
-              <a:t/>
-            </a:r>
             <a:br>
               <a:rPr lang="en-US" altLang="zh-TW" sz="6000" dirty="0"/>
             </a:br>
@@ -6226,7 +6223,7 @@
       </p:sp>
       <p:pic>
         <p:nvPicPr>
-          <p:cNvPr id="4" name="內容版面配置區 3" descr="11.jpg"/>
+          <p:cNvPr id="4" name="內容版面配置區 3" descr="10.jpg"/>
           <p:cNvPicPr>
             <a:picLocks noGrp="1" noChangeAspect="1"/>
           </p:cNvPicPr>
@@ -6242,8 +6239,8 @@
         </p:blipFill>
         <p:spPr>
           <a:xfrm>
-            <a:off x="107504" y="1268760"/>
-            <a:ext cx="8528770" cy="5199859"/>
+            <a:off x="323528" y="1268760"/>
+            <a:ext cx="6912768" cy="5313942"/>
           </a:xfrm>
         </p:spPr>
       </p:pic>
@@ -6300,7 +6297,7 @@
       </p:sp>
       <p:pic>
         <p:nvPicPr>
-          <p:cNvPr id="4" name="內容版面配置區 3" descr="12.jpg"/>
+          <p:cNvPr id="4" name="內容版面配置區 3" descr="11.jpg"/>
           <p:cNvPicPr>
             <a:picLocks noGrp="1" noChangeAspect="1"/>
           </p:cNvPicPr>
@@ -6316,8 +6313,8 @@
         </p:blipFill>
         <p:spPr>
           <a:xfrm>
-            <a:off x="251520" y="1412776"/>
-            <a:ext cx="8352929" cy="4885450"/>
+            <a:off x="107504" y="1268760"/>
+            <a:ext cx="8528770" cy="5199859"/>
           </a:xfrm>
         </p:spPr>
       </p:pic>
@@ -6374,7 +6371,7 @@
       </p:sp>
       <p:pic>
         <p:nvPicPr>
-          <p:cNvPr id="4" name="內容版面配置區 3" descr="13.jpg"/>
+          <p:cNvPr id="4" name="內容版面配置區 3" descr="12.jpg"/>
           <p:cNvPicPr>
             <a:picLocks noGrp="1" noChangeAspect="1"/>
           </p:cNvPicPr>
@@ -6390,8 +6387,8 @@
         </p:blipFill>
         <p:spPr>
           <a:xfrm>
-            <a:off x="179512" y="1484784"/>
-            <a:ext cx="8280920" cy="4934175"/>
+            <a:off x="251520" y="1412776"/>
+            <a:ext cx="8352929" cy="4885450"/>
           </a:xfrm>
         </p:spPr>
       </p:pic>
@@ -6436,16 +6433,19 @@
           <a:lstStyle/>
           <a:p>
             <a:r>
-              <a:rPr lang="en-US" altLang="zh-TW" dirty="0" err="1"/>
-              <a:t>OUTPUT:Sample</a:t>
-            </a:r>
-            <a:endParaRPr lang="zh-TW" altLang="en-US" dirty="0"/>
+              <a:rPr lang="en-US" altLang="zh-TW" dirty="0"/>
+              <a:t>CODE</a:t>
+            </a:r>
+            <a:r>
+              <a:rPr lang="zh-TW" altLang="en-US" dirty="0"/>
+              <a:t>範例</a:t>
+            </a:r>
           </a:p>
         </p:txBody>
       </p:sp>
       <p:pic>
         <p:nvPicPr>
-          <p:cNvPr id="4" name="內容版面配置區 3" descr="3.jpg"/>
+          <p:cNvPr id="4" name="內容版面配置區 3" descr="13.jpg"/>
           <p:cNvPicPr>
             <a:picLocks noGrp="1" noChangeAspect="1"/>
           </p:cNvPicPr>
@@ -6461,8 +6461,8 @@
         </p:blipFill>
         <p:spPr>
           <a:xfrm>
-            <a:off x="467544" y="1556792"/>
-            <a:ext cx="7968792" cy="4389864"/>
+            <a:off x="179512" y="1484784"/>
+            <a:ext cx="8280920" cy="4934175"/>
           </a:xfrm>
         </p:spPr>
       </p:pic>
@@ -6507,16 +6507,8 @@
           <a:lstStyle/>
           <a:p>
             <a:r>
-              <a:rPr lang="en-US" altLang="zh-TW" dirty="0"/>
-              <a:t>OUTPUT:</a:t>
-            </a:r>
-            <a:r>
-              <a:rPr lang="zh-TW" altLang="en-US" dirty="0"/>
-              <a:t>抓到</a:t>
-            </a:r>
-            <a:r>
-              <a:rPr lang="en-US" altLang="zh-TW" dirty="0"/>
-              <a:t>!</a:t>
+              <a:rPr lang="en-US" altLang="zh-TW" dirty="0" err="1"/>
+              <a:t>OUTPUT:Sample</a:t>
             </a:r>
             <a:endParaRPr lang="zh-TW" altLang="en-US" dirty="0"/>
           </a:p>
@@ -6524,7 +6516,7 @@
       </p:sp>
       <p:pic>
         <p:nvPicPr>
-          <p:cNvPr id="4" name="內容版面配置區 3" descr="4.jpg"/>
+          <p:cNvPr id="4" name="內容版面配置區 3" descr="3.jpg"/>
           <p:cNvPicPr>
             <a:picLocks noGrp="1" noChangeAspect="1"/>
           </p:cNvPicPr>
@@ -6540,8 +6532,8 @@
         </p:blipFill>
         <p:spPr>
           <a:xfrm>
-            <a:off x="930116" y="2920206"/>
-            <a:ext cx="5707380" cy="2362200"/>
+            <a:off x="467544" y="1556792"/>
+            <a:ext cx="7968792" cy="4389864"/>
           </a:xfrm>
         </p:spPr>
       </p:pic>
@@ -6587,7 +6579,15 @@
           <a:p>
             <a:r>
               <a:rPr lang="en-US" altLang="zh-TW" dirty="0"/>
-              <a:t>OUTPUT</a:t>
+              <a:t>OUTPUT:</a:t>
+            </a:r>
+            <a:r>
+              <a:rPr lang="zh-TW" altLang="en-US" dirty="0"/>
+              <a:t>抓到</a:t>
+            </a:r>
+            <a:r>
+              <a:rPr lang="en-US" altLang="zh-TW" dirty="0"/>
+              <a:t>!</a:t>
             </a:r>
             <a:endParaRPr lang="zh-TW" altLang="en-US" dirty="0"/>
           </a:p>
@@ -6595,7 +6595,7 @@
       </p:sp>
       <p:pic>
         <p:nvPicPr>
-          <p:cNvPr id="4" name="內容版面配置區 3" descr="5.jpg"/>
+          <p:cNvPr id="4" name="內容版面配置區 3" descr="4.jpg"/>
           <p:cNvPicPr>
             <a:picLocks noGrp="1" noChangeAspect="1"/>
           </p:cNvPicPr>
@@ -6611,8 +6611,8 @@
         </p:blipFill>
         <p:spPr>
           <a:xfrm>
-            <a:off x="1040606" y="3091656"/>
-            <a:ext cx="5486400" cy="2019300"/>
+            <a:off x="930116" y="2920206"/>
+            <a:ext cx="5707380" cy="2362200"/>
           </a:xfrm>
         </p:spPr>
       </p:pic>
@@ -6666,7 +6666,7 @@
       </p:sp>
       <p:pic>
         <p:nvPicPr>
-          <p:cNvPr id="6" name="內容版面配置區 5" descr="6.jpg"/>
+          <p:cNvPr id="4" name="內容版面配置區 3" descr="5.jpg"/>
           <p:cNvPicPr>
             <a:picLocks noGrp="1" noChangeAspect="1"/>
           </p:cNvPicPr>
@@ -6682,8 +6682,8 @@
         </p:blipFill>
         <p:spPr>
           <a:xfrm>
-            <a:off x="1787366" y="3057366"/>
-            <a:ext cx="3992880" cy="2087880"/>
+            <a:off x="1040606" y="3091656"/>
+            <a:ext cx="5486400" cy="2019300"/>
           </a:xfrm>
         </p:spPr>
       </p:pic>
@@ -6728,127 +6728,37 @@
           <a:lstStyle/>
           <a:p>
             <a:r>
-              <a:rPr lang="zh-TW" altLang="en-US" dirty="0"/>
-              <a:t>第三關設計方式</a:t>
-            </a:r>
-          </a:p>
-        </p:txBody>
-      </p:sp>
-      <p:sp>
-        <p:nvSpPr>
-          <p:cNvPr id="3" name="內容版面配置區 2"/>
-          <p:cNvSpPr>
-            <a:spLocks noGrp="1"/>
-          </p:cNvSpPr>
+              <a:rPr lang="en-US" altLang="zh-TW" dirty="0"/>
+              <a:t>OUTPUT</a:t>
+            </a:r>
+            <a:endParaRPr lang="zh-TW" altLang="en-US" dirty="0"/>
+          </a:p>
+        </p:txBody>
+      </p:sp>
+      <p:pic>
+        <p:nvPicPr>
+          <p:cNvPr id="6" name="內容版面配置區 5" descr="6.jpg"/>
+          <p:cNvPicPr>
+            <a:picLocks noGrp="1" noChangeAspect="1"/>
+          </p:cNvPicPr>
           <p:nvPr>
             <p:ph idx="1"/>
           </p:nvPr>
-        </p:nvSpPr>
-        <p:spPr/>
-        <p:txBody>
-          <a:bodyPr/>
-          <a:lstStyle/>
-          <a:p>
-            <a:pPr marL="0" indent="0">
-              <a:buNone/>
-            </a:pPr>
-            <a:r>
-              <a:rPr lang="zh-TW" altLang="en-US" dirty="0"/>
-              <a:t>主要利用</a:t>
-            </a:r>
-            <a:r>
-              <a:rPr lang="en-US" altLang="zh-TW" dirty="0"/>
-              <a:t>PERL</a:t>
-            </a:r>
-            <a:r>
-              <a:rPr lang="zh-TW" altLang="en-US" dirty="0"/>
-              <a:t>撰寫。首先讀取當前路徑資料夾內所有的</a:t>
-            </a:r>
-            <a:r>
-              <a:rPr lang="en-US" altLang="zh-TW" dirty="0"/>
-              <a:t>.</a:t>
-            </a:r>
-            <a:r>
-              <a:rPr lang="en-US" altLang="zh-TW" dirty="0" err="1"/>
-              <a:t>cpp</a:t>
-            </a:r>
-            <a:r>
-              <a:rPr lang="zh-TW" altLang="en-US" dirty="0"/>
-              <a:t>檔，將第一筆</a:t>
-            </a:r>
-            <a:r>
-              <a:rPr lang="en-US" altLang="zh-TW" dirty="0"/>
-              <a:t>.</a:t>
-            </a:r>
-            <a:r>
-              <a:rPr lang="en-US" altLang="zh-TW" dirty="0" err="1"/>
-              <a:t>cpp</a:t>
-            </a:r>
-            <a:r>
-              <a:rPr lang="zh-TW" altLang="en-US" dirty="0"/>
-              <a:t>檔做為比對標準，依序跟其他的</a:t>
-            </a:r>
-            <a:r>
-              <a:rPr lang="en-US" altLang="zh-TW" dirty="0"/>
-              <a:t>.</a:t>
-            </a:r>
-            <a:r>
-              <a:rPr lang="en-US" altLang="zh-TW" dirty="0" err="1"/>
-              <a:t>cpp</a:t>
-            </a:r>
-            <a:r>
-              <a:rPr lang="zh-TW" altLang="en-US" dirty="0"/>
-              <a:t>做比對，而後將檔案內程式碼做切除註解、空行、程式碼前後的空白以及單個</a:t>
-            </a:r>
-            <a:r>
-              <a:rPr lang="en-US" altLang="zh-TW" dirty="0"/>
-              <a:t>”{”</a:t>
-            </a:r>
-            <a:r>
-              <a:rPr lang="zh-TW" altLang="en-US" dirty="0"/>
-              <a:t>和</a:t>
-            </a:r>
-            <a:r>
-              <a:rPr lang="en-US" altLang="zh-TW" dirty="0"/>
-              <a:t>”}”</a:t>
-            </a:r>
-            <a:r>
-              <a:rPr lang="zh-TW" altLang="en-US" dirty="0"/>
-              <a:t>的動作並儲存起來，用以增加精確度，最後利用標準程式碼與其他程式碼做每一行比對，讓抄襲的行數與總行數相除便得到相似度之值。一開始我們會輸出標準的程式碼內容以供參考，隨後會輸出檔名、相似度、抄襲的可能性以及總行數</a:t>
-            </a:r>
-            <a:r>
-              <a:rPr lang="en-US" altLang="zh-TW" dirty="0"/>
-              <a:t>(</a:t>
-            </a:r>
-            <a:r>
-              <a:rPr lang="zh-TW" altLang="en-US" dirty="0"/>
-              <a:t>切除註解、空行、程式碼前後的空白以及單個</a:t>
-            </a:r>
-            <a:r>
-              <a:rPr lang="en-US" altLang="zh-TW" dirty="0"/>
-              <a:t>”{”</a:t>
-            </a:r>
-            <a:r>
-              <a:rPr lang="zh-TW" altLang="en-US" dirty="0"/>
-              <a:t>和</a:t>
-            </a:r>
-            <a:r>
-              <a:rPr lang="en-US" altLang="zh-TW" dirty="0"/>
-              <a:t>”}”)</a:t>
-            </a:r>
-            <a:r>
-              <a:rPr lang="zh-TW" altLang="en-US" dirty="0"/>
-              <a:t>，以供我們做判斷。</a:t>
-            </a:r>
-          </a:p>
-        </p:txBody>
-      </p:sp>
+        </p:nvPicPr>
+        <p:blipFill>
+          <a:blip r:embed="rId2" cstate="print"/>
+          <a:stretch>
+            <a:fillRect/>
+          </a:stretch>
+        </p:blipFill>
+        <p:spPr>
+          <a:xfrm>
+            <a:off x="1787366" y="3057366"/>
+            <a:ext cx="3992880" cy="2087880"/>
+          </a:xfrm>
+        </p:spPr>
+      </p:pic>
     </p:spTree>
-    <p:extLst>
-      <p:ext uri="{BB962C8B-B14F-4D97-AF65-F5344CB8AC3E}">
-        <p14:creationId xmlns:p14="http://schemas.microsoft.com/office/powerpoint/2010/main" xmlns="" val="2664604248"/>
-      </p:ext>
-    </p:extLst>
   </p:cSld>
   <p:clrMapOvr>
     <a:masterClrMapping/>
@@ -6890,44 +6800,124 @@
           <a:p>
             <a:r>
               <a:rPr lang="zh-TW" altLang="en-US" dirty="0"/>
-              <a:t>程式碼</a:t>
-            </a:r>
-          </a:p>
-        </p:txBody>
-      </p:sp>
-      <p:pic>
-        <p:nvPicPr>
-          <p:cNvPr id="4" name="內容版面配置區 3"/>
-          <p:cNvPicPr>
-            <a:picLocks noGrp="1" noChangeAspect="1"/>
-          </p:cNvPicPr>
+              <a:t>第三關設計方式</a:t>
+            </a:r>
+          </a:p>
+        </p:txBody>
+      </p:sp>
+      <p:sp>
+        <p:nvSpPr>
+          <p:cNvPr id="3" name="內容版面配置區 2"/>
+          <p:cNvSpPr>
+            <a:spLocks noGrp="1"/>
+          </p:cNvSpPr>
           <p:nvPr>
             <p:ph idx="1"/>
           </p:nvPr>
-        </p:nvPicPr>
-        <p:blipFill>
-          <a:blip r:embed="rId2" cstate="print">
-            <a:extLst>
-              <a:ext uri="{28A0092B-C50C-407E-A947-70E740481C1C}">
-                <a14:useLocalDpi xmlns:a14="http://schemas.microsoft.com/office/drawing/2010/main" xmlns="" val="0"/>
-              </a:ext>
-            </a:extLst>
-          </a:blip>
-          <a:stretch>
-            <a:fillRect/>
-          </a:stretch>
-        </p:blipFill>
-        <p:spPr>
-          <a:xfrm>
-            <a:off x="323528" y="1556792"/>
-            <a:ext cx="8106996" cy="4061431"/>
-          </a:xfrm>
-        </p:spPr>
-      </p:pic>
+        </p:nvSpPr>
+        <p:spPr/>
+        <p:txBody>
+          <a:bodyPr/>
+          <a:lstStyle/>
+          <a:p>
+            <a:pPr marL="0" indent="0">
+              <a:buNone/>
+            </a:pPr>
+            <a:r>
+              <a:rPr lang="zh-TW" altLang="en-US" dirty="0"/>
+              <a:t>主要利用</a:t>
+            </a:r>
+            <a:r>
+              <a:rPr lang="en-US" altLang="zh-TW" dirty="0"/>
+              <a:t>PERL</a:t>
+            </a:r>
+            <a:r>
+              <a:rPr lang="zh-TW" altLang="en-US" dirty="0"/>
+              <a:t>撰寫。首先讀取當前路徑資料夾內所有的</a:t>
+            </a:r>
+            <a:r>
+              <a:rPr lang="en-US" altLang="zh-TW" dirty="0"/>
+              <a:t>.</a:t>
+            </a:r>
+            <a:r>
+              <a:rPr lang="en-US" altLang="zh-TW" dirty="0" err="1"/>
+              <a:t>cpp</a:t>
+            </a:r>
+            <a:r>
+              <a:rPr lang="zh-TW" altLang="en-US" dirty="0"/>
+              <a:t>檔，將第一筆</a:t>
+            </a:r>
+            <a:r>
+              <a:rPr lang="en-US" altLang="zh-TW" dirty="0"/>
+              <a:t>.</a:t>
+            </a:r>
+            <a:r>
+              <a:rPr lang="en-US" altLang="zh-TW" dirty="0" err="1"/>
+              <a:t>cpp</a:t>
+            </a:r>
+            <a:r>
+              <a:rPr lang="zh-TW" altLang="en-US" dirty="0"/>
+              <a:t>檔做為比對標準，依序跟其他的</a:t>
+            </a:r>
+            <a:r>
+              <a:rPr lang="en-US" altLang="zh-TW" dirty="0"/>
+              <a:t>.</a:t>
+            </a:r>
+            <a:r>
+              <a:rPr lang="en-US" altLang="zh-TW" dirty="0" err="1"/>
+              <a:t>cpp</a:t>
+            </a:r>
+            <a:r>
+              <a:rPr lang="zh-TW" altLang="en-US" dirty="0"/>
+              <a:t>做比對，而後將檔案內程式碼做切除註解、空行、程式碼前後的空白以及單個</a:t>
+            </a:r>
+            <a:r>
+              <a:rPr lang="en-US" altLang="zh-TW" dirty="0"/>
+              <a:t>”{”</a:t>
+            </a:r>
+            <a:r>
+              <a:rPr lang="zh-TW" altLang="en-US" dirty="0"/>
+              <a:t>和</a:t>
+            </a:r>
+            <a:r>
+              <a:rPr lang="en-US" altLang="zh-TW" dirty="0"/>
+              <a:t>”}”</a:t>
+            </a:r>
+            <a:r>
+              <a:rPr lang="zh-TW" altLang="en-US" dirty="0"/>
+              <a:t>的動作並儲存起來，用以增加精確度，最後利用標準程式碼與其他程式碼做每一行比對，讓抄襲的行數與總行數相除便得到相似度之值。一開始我們會輸出標準的程式碼內容以供參考，隨後會輸出檔名、相似度、抄襲的可能性以及總行數</a:t>
+            </a:r>
+            <a:r>
+              <a:rPr lang="en-US" altLang="zh-TW" dirty="0"/>
+              <a:t>(</a:t>
+            </a:r>
+            <a:r>
+              <a:rPr lang="zh-TW" altLang="en-US" dirty="0"/>
+              <a:t>切除註解、空行、程式碼前後的空白以及單個</a:t>
+            </a:r>
+            <a:r>
+              <a:rPr lang="en-US" altLang="zh-TW" dirty="0"/>
+              <a:t>”{”</a:t>
+            </a:r>
+            <a:r>
+              <a:rPr lang="zh-TW" altLang="en-US" dirty="0"/>
+              <a:t>和</a:t>
+            </a:r>
+            <a:r>
+              <a:rPr lang="en-US" altLang="zh-TW" dirty="0"/>
+              <a:t>”}”)</a:t>
+            </a:r>
+            <a:r>
+              <a:rPr lang="zh-TW" altLang="en-US" dirty="0"/>
+              <a:t>，以供我們做判斷。</a:t>
+            </a:r>
+          </a:p>
+        </p:txBody>
+      </p:sp>
     </p:spTree>
     <p:extLst>
       <p:ext uri="{BB962C8B-B14F-4D97-AF65-F5344CB8AC3E}">
-        <p14:creationId xmlns:p14="http://schemas.microsoft.com/office/powerpoint/2010/main" xmlns="" val="2684818226"/>
+        <p14:creationId xmlns:p14="http://schemas.microsoft.com/office/powerpoint/2010/main" val="2664604248"/>
       </p:ext>
     </p:extLst>
   </p:cSld>
@@ -6990,7 +6980,7 @@
           <a:blip r:embed="rId2" cstate="print">
             <a:extLst>
               <a:ext uri="{28A0092B-C50C-407E-A947-70E740481C1C}">
-                <a14:useLocalDpi xmlns:a14="http://schemas.microsoft.com/office/drawing/2010/main" xmlns="" val="0"/>
+                <a14:useLocalDpi xmlns:a14="http://schemas.microsoft.com/office/drawing/2010/main" val="0"/>
               </a:ext>
             </a:extLst>
           </a:blip>
@@ -7000,15 +6990,15 @@
         </p:blipFill>
         <p:spPr>
           <a:xfrm>
-            <a:off x="646501" y="1556792"/>
-            <a:ext cx="7850997" cy="3933181"/>
+            <a:off x="323528" y="1556792"/>
+            <a:ext cx="8106996" cy="4061431"/>
           </a:xfrm>
         </p:spPr>
       </p:pic>
     </p:spTree>
     <p:extLst>
       <p:ext uri="{BB962C8B-B14F-4D97-AF65-F5344CB8AC3E}">
-        <p14:creationId xmlns:p14="http://schemas.microsoft.com/office/powerpoint/2010/main" xmlns="" val="3679252773"/>
+        <p14:creationId xmlns:p14="http://schemas.microsoft.com/office/powerpoint/2010/main" val="2684818226"/>
       </p:ext>
     </p:extLst>
   </p:cSld>
@@ -7040,7 +7030,7 @@
           <p:cNvPr id="2" name="標題 1">
             <a:extLst>
               <a:ext uri="{FF2B5EF4-FFF2-40B4-BE49-F238E27FC236}">
-                <a16:creationId xmlns:a16="http://schemas.microsoft.com/office/drawing/2014/main" xmlns="" id="{00569094-EF5D-4E50-A52E-FCCC8D01B52B}"/>
+                <a16:creationId xmlns:a16="http://schemas.microsoft.com/office/drawing/2014/main" id="{00569094-EF5D-4E50-A52E-FCCC8D01B52B}"/>
               </a:ext>
             </a:extLst>
           </p:cNvPr>
@@ -7069,10 +7059,6 @@
               <a:rPr lang="en-US" altLang="zh-TW" b="1" dirty="0"/>
               <a:t>:</a:t>
             </a:r>
-            <a:r>
-              <a:rPr lang="zh-TW" altLang="zh-TW" dirty="0"/>
-              <a:t/>
-            </a:r>
             <a:br>
               <a:rPr lang="zh-TW" altLang="zh-TW" dirty="0"/>
             </a:br>
@@ -7085,7 +7071,7 @@
           <p:cNvPr id="3" name="內容版面配置區 2">
             <a:extLst>
               <a:ext uri="{FF2B5EF4-FFF2-40B4-BE49-F238E27FC236}">
-                <a16:creationId xmlns:a16="http://schemas.microsoft.com/office/drawing/2014/main" xmlns="" id="{E882AEC8-C80C-4D96-9528-9B8DB34067FB}"/>
+                <a16:creationId xmlns:a16="http://schemas.microsoft.com/office/drawing/2014/main" id="{E882AEC8-C80C-4D96-9528-9B8DB34067FB}"/>
               </a:ext>
             </a:extLst>
           </p:cNvPr>
@@ -7131,7 +7117,7 @@
     </p:spTree>
     <p:extLst>
       <p:ext uri="{BB962C8B-B14F-4D97-AF65-F5344CB8AC3E}">
-        <p14:creationId xmlns:p14="http://schemas.microsoft.com/office/powerpoint/2010/main" xmlns="" val="3218781378"/>
+        <p14:creationId xmlns:p14="http://schemas.microsoft.com/office/powerpoint/2010/main" val="3218781378"/>
       </p:ext>
     </p:extLst>
   </p:cSld>
@@ -7194,7 +7180,7 @@
           <a:blip r:embed="rId2" cstate="print">
             <a:extLst>
               <a:ext uri="{28A0092B-C50C-407E-A947-70E740481C1C}">
-                <a14:useLocalDpi xmlns:a14="http://schemas.microsoft.com/office/drawing/2010/main" xmlns="" val="0"/>
+                <a14:useLocalDpi xmlns:a14="http://schemas.microsoft.com/office/drawing/2010/main" val="0"/>
               </a:ext>
             </a:extLst>
           </a:blip>
@@ -7204,15 +7190,15 @@
         </p:blipFill>
         <p:spPr>
           <a:xfrm>
-            <a:off x="609599" y="1700808"/>
-            <a:ext cx="7878079" cy="3946749"/>
+            <a:off x="646501" y="1556792"/>
+            <a:ext cx="7850997" cy="3933181"/>
           </a:xfrm>
         </p:spPr>
       </p:pic>
     </p:spTree>
     <p:extLst>
       <p:ext uri="{BB962C8B-B14F-4D97-AF65-F5344CB8AC3E}">
-        <p14:creationId xmlns:p14="http://schemas.microsoft.com/office/powerpoint/2010/main" xmlns="" val="3165358875"/>
+        <p14:creationId xmlns:p14="http://schemas.microsoft.com/office/powerpoint/2010/main" val="3679252773"/>
       </p:ext>
     </p:extLst>
   </p:cSld>
@@ -7275,7 +7261,7 @@
           <a:blip r:embed="rId2" cstate="print">
             <a:extLst>
               <a:ext uri="{28A0092B-C50C-407E-A947-70E740481C1C}">
-                <a14:useLocalDpi xmlns:a14="http://schemas.microsoft.com/office/drawing/2010/main" xmlns="" val="0"/>
+                <a14:useLocalDpi xmlns:a14="http://schemas.microsoft.com/office/drawing/2010/main" val="0"/>
               </a:ext>
             </a:extLst>
           </a:blip>
@@ -7285,15 +7271,15 @@
         </p:blipFill>
         <p:spPr>
           <a:xfrm>
-            <a:off x="539552" y="1700808"/>
-            <a:ext cx="7850997" cy="3933181"/>
+            <a:off x="609599" y="1700808"/>
+            <a:ext cx="7878079" cy="3946749"/>
           </a:xfrm>
         </p:spPr>
       </p:pic>
     </p:spTree>
     <p:extLst>
       <p:ext uri="{BB962C8B-B14F-4D97-AF65-F5344CB8AC3E}">
-        <p14:creationId xmlns:p14="http://schemas.microsoft.com/office/powerpoint/2010/main" xmlns="" val="4086567264"/>
+        <p14:creationId xmlns:p14="http://schemas.microsoft.com/office/powerpoint/2010/main" val="3165358875"/>
       </p:ext>
     </p:extLst>
   </p:cSld>
@@ -7337,14 +7323,14 @@
           <a:p>
             <a:r>
               <a:rPr lang="zh-TW" altLang="en-US" dirty="0"/>
-              <a:t>輸出結果</a:t>
+              <a:t>程式碼</a:t>
             </a:r>
           </a:p>
         </p:txBody>
       </p:sp>
       <p:pic>
         <p:nvPicPr>
-          <p:cNvPr id="6" name="內容版面配置區 5"/>
+          <p:cNvPr id="4" name="內容版面配置區 3"/>
           <p:cNvPicPr>
             <a:picLocks noGrp="1" noChangeAspect="1"/>
           </p:cNvPicPr>
@@ -7356,7 +7342,7 @@
           <a:blip r:embed="rId2" cstate="print">
             <a:extLst>
               <a:ext uri="{28A0092B-C50C-407E-A947-70E740481C1C}">
-                <a14:useLocalDpi xmlns:a14="http://schemas.microsoft.com/office/drawing/2010/main" xmlns="" val="0"/>
+                <a14:useLocalDpi xmlns:a14="http://schemas.microsoft.com/office/drawing/2010/main" val="0"/>
               </a:ext>
             </a:extLst>
           </a:blip>
@@ -7366,15 +7352,15 @@
         </p:blipFill>
         <p:spPr>
           <a:xfrm>
-            <a:off x="609599" y="1628800"/>
-            <a:ext cx="7707262" cy="3861173"/>
+            <a:off x="539552" y="1700808"/>
+            <a:ext cx="7850997" cy="3933181"/>
           </a:xfrm>
         </p:spPr>
       </p:pic>
     </p:spTree>
     <p:extLst>
       <p:ext uri="{BB962C8B-B14F-4D97-AF65-F5344CB8AC3E}">
-        <p14:creationId xmlns:p14="http://schemas.microsoft.com/office/powerpoint/2010/main" xmlns="" val="872002379"/>
+        <p14:creationId xmlns:p14="http://schemas.microsoft.com/office/powerpoint/2010/main" val="4086567264"/>
       </p:ext>
     </p:extLst>
   </p:cSld>
@@ -7425,7 +7411,7 @@
       </p:sp>
       <p:pic>
         <p:nvPicPr>
-          <p:cNvPr id="3" name="內容版面配置區 2"/>
+          <p:cNvPr id="6" name="內容版面配置區 5"/>
           <p:cNvPicPr>
             <a:picLocks noGrp="1" noChangeAspect="1"/>
           </p:cNvPicPr>
@@ -7437,7 +7423,7 @@
           <a:blip r:embed="rId2" cstate="print">
             <a:extLst>
               <a:ext uri="{28A0092B-C50C-407E-A947-70E740481C1C}">
-                <a14:useLocalDpi xmlns:a14="http://schemas.microsoft.com/office/drawing/2010/main" xmlns="" val="0"/>
+                <a14:useLocalDpi xmlns:a14="http://schemas.microsoft.com/office/drawing/2010/main" val="0"/>
               </a:ext>
             </a:extLst>
           </a:blip>
@@ -7447,15 +7433,15 @@
         </p:blipFill>
         <p:spPr>
           <a:xfrm>
-            <a:off x="430899" y="1556792"/>
-            <a:ext cx="8282201" cy="4149205"/>
+            <a:off x="609599" y="1628800"/>
+            <a:ext cx="7707262" cy="3861173"/>
           </a:xfrm>
         </p:spPr>
       </p:pic>
     </p:spTree>
     <p:extLst>
       <p:ext uri="{BB962C8B-B14F-4D97-AF65-F5344CB8AC3E}">
-        <p14:creationId xmlns:p14="http://schemas.microsoft.com/office/powerpoint/2010/main" xmlns="" val="2913439249"/>
+        <p14:creationId xmlns:p14="http://schemas.microsoft.com/office/powerpoint/2010/main" val="872002379"/>
       </p:ext>
     </p:extLst>
   </p:cSld>
@@ -7518,7 +7504,7 @@
           <a:blip r:embed="rId2" cstate="print">
             <a:extLst>
               <a:ext uri="{28A0092B-C50C-407E-A947-70E740481C1C}">
-                <a14:useLocalDpi xmlns:a14="http://schemas.microsoft.com/office/drawing/2010/main" xmlns="" val="0"/>
+                <a14:useLocalDpi xmlns:a14="http://schemas.microsoft.com/office/drawing/2010/main" val="0"/>
               </a:ext>
             </a:extLst>
           </a:blip>
@@ -7528,15 +7514,15 @@
         </p:blipFill>
         <p:spPr>
           <a:xfrm>
-            <a:off x="467544" y="1462409"/>
-            <a:ext cx="7850997" cy="3933181"/>
+            <a:off x="430899" y="1556792"/>
+            <a:ext cx="8282201" cy="4149205"/>
           </a:xfrm>
         </p:spPr>
       </p:pic>
     </p:spTree>
     <p:extLst>
       <p:ext uri="{BB962C8B-B14F-4D97-AF65-F5344CB8AC3E}">
-        <p14:creationId xmlns:p14="http://schemas.microsoft.com/office/powerpoint/2010/main" xmlns="" val="1540803572"/>
+        <p14:creationId xmlns:p14="http://schemas.microsoft.com/office/powerpoint/2010/main" val="2913439249"/>
       </p:ext>
     </p:extLst>
   </p:cSld>
@@ -7599,7 +7585,7 @@
           <a:blip r:embed="rId2" cstate="print">
             <a:extLst>
               <a:ext uri="{28A0092B-C50C-407E-A947-70E740481C1C}">
-                <a14:useLocalDpi xmlns:a14="http://schemas.microsoft.com/office/drawing/2010/main" xmlns="" val="0"/>
+                <a14:useLocalDpi xmlns:a14="http://schemas.microsoft.com/office/drawing/2010/main" val="0"/>
               </a:ext>
             </a:extLst>
           </a:blip>
@@ -7609,15 +7595,15 @@
         </p:blipFill>
         <p:spPr>
           <a:xfrm>
-            <a:off x="251520" y="1700808"/>
-            <a:ext cx="8192877" cy="4104456"/>
+            <a:off x="467544" y="1462409"/>
+            <a:ext cx="7850997" cy="3933181"/>
           </a:xfrm>
         </p:spPr>
       </p:pic>
     </p:spTree>
     <p:extLst>
       <p:ext uri="{BB962C8B-B14F-4D97-AF65-F5344CB8AC3E}">
-        <p14:creationId xmlns:p14="http://schemas.microsoft.com/office/powerpoint/2010/main" xmlns="" val="3442418432"/>
+        <p14:creationId xmlns:p14="http://schemas.microsoft.com/office/powerpoint/2010/main" val="1540803572"/>
       </p:ext>
     </p:extLst>
   </p:cSld>
@@ -7654,6 +7640,87 @@
             <p:ph type="title"/>
           </p:nvPr>
         </p:nvSpPr>
+        <p:spPr/>
+        <p:txBody>
+          <a:bodyPr/>
+          <a:lstStyle/>
+          <a:p>
+            <a:r>
+              <a:rPr lang="zh-TW" altLang="en-US" dirty="0"/>
+              <a:t>輸出結果</a:t>
+            </a:r>
+          </a:p>
+        </p:txBody>
+      </p:sp>
+      <p:pic>
+        <p:nvPicPr>
+          <p:cNvPr id="3" name="內容版面配置區 2"/>
+          <p:cNvPicPr>
+            <a:picLocks noGrp="1" noChangeAspect="1"/>
+          </p:cNvPicPr>
+          <p:nvPr>
+            <p:ph idx="1"/>
+          </p:nvPr>
+        </p:nvPicPr>
+        <p:blipFill>
+          <a:blip r:embed="rId2" cstate="print">
+            <a:extLst>
+              <a:ext uri="{28A0092B-C50C-407E-A947-70E740481C1C}">
+                <a14:useLocalDpi xmlns:a14="http://schemas.microsoft.com/office/drawing/2010/main" val="0"/>
+              </a:ext>
+            </a:extLst>
+          </a:blip>
+          <a:stretch>
+            <a:fillRect/>
+          </a:stretch>
+        </p:blipFill>
+        <p:spPr>
+          <a:xfrm>
+            <a:off x="251520" y="1700808"/>
+            <a:ext cx="8192877" cy="4104456"/>
+          </a:xfrm>
+        </p:spPr>
+      </p:pic>
+    </p:spTree>
+    <p:extLst>
+      <p:ext uri="{BB962C8B-B14F-4D97-AF65-F5344CB8AC3E}">
+        <p14:creationId xmlns:p14="http://schemas.microsoft.com/office/powerpoint/2010/main" val="3442418432"/>
+      </p:ext>
+    </p:extLst>
+  </p:cSld>
+  <p:clrMapOvr>
+    <a:masterClrMapping/>
+  </p:clrMapOvr>
+</p:sld>
+</file>
+
+<file path=ppt/slides/slide27.xml><?xml version="1.0" encoding="utf-8"?>
+<p:sld xmlns:a="http://schemas.openxmlformats.org/drawingml/2006/main" xmlns:r="http://schemas.openxmlformats.org/officeDocument/2006/relationships" xmlns:p="http://schemas.openxmlformats.org/presentationml/2006/main">
+  <p:cSld>
+    <p:spTree>
+      <p:nvGrpSpPr>
+        <p:cNvPr id="1" name=""/>
+        <p:cNvGrpSpPr/>
+        <p:nvPr/>
+      </p:nvGrpSpPr>
+      <p:grpSpPr>
+        <a:xfrm>
+          <a:off x="0" y="0"/>
+          <a:ext cx="0" cy="0"/>
+          <a:chOff x="0" y="0"/>
+          <a:chExt cx="0" cy="0"/>
+        </a:xfrm>
+      </p:grpSpPr>
+      <p:sp>
+        <p:nvSpPr>
+          <p:cNvPr id="2" name="標題 1"/>
+          <p:cNvSpPr>
+            <a:spLocks noGrp="1"/>
+          </p:cNvSpPr>
+          <p:nvPr>
+            <p:ph type="title"/>
+          </p:nvPr>
+        </p:nvSpPr>
         <p:spPr>
           <a:xfrm>
             <a:off x="2771800" y="2636912"/>
@@ -7665,15 +7732,15 @@
           <a:lstStyle/>
           <a:p>
             <a:r>
-              <a:rPr lang="en-US" altLang="zh-TW" dirty="0" smtClean="0"/>
+              <a:rPr lang="en-US" altLang="zh-TW" dirty="0"/>
               <a:t>THE</a:t>
             </a:r>
             <a:r>
-              <a:rPr lang="zh-TW" altLang="en-US" dirty="0" smtClean="0"/>
+              <a:rPr lang="zh-TW" altLang="en-US" dirty="0"/>
               <a:t> </a:t>
             </a:r>
             <a:r>
-              <a:rPr lang="en-US" altLang="zh-TW" dirty="0" smtClean="0"/>
+              <a:rPr lang="en-US" altLang="zh-TW" dirty="0"/>
               <a:t>END</a:t>
             </a:r>
             <a:endParaRPr lang="zh-TW" altLang="en-US" dirty="0"/>
@@ -7710,7 +7777,7 @@
           <p:cNvPr id="2" name="標題 1">
             <a:extLst>
               <a:ext uri="{FF2B5EF4-FFF2-40B4-BE49-F238E27FC236}">
-                <a16:creationId xmlns:a16="http://schemas.microsoft.com/office/drawing/2014/main" xmlns="" id="{D8654501-B411-470A-87AE-AEE33987076D}"/>
+                <a16:creationId xmlns:a16="http://schemas.microsoft.com/office/drawing/2014/main" id="{D8654501-B411-470A-87AE-AEE33987076D}"/>
               </a:ext>
             </a:extLst>
           </p:cNvPr>
@@ -7733,10 +7800,6 @@
             <a:r>
               <a:rPr lang="en-US" altLang="zh-TW" b="1" dirty="0"/>
               <a:t>:</a:t>
-            </a:r>
-            <a:r>
-              <a:rPr lang="zh-TW" altLang="zh-TW" dirty="0"/>
-              <a:t/>
             </a:r>
             <a:br>
               <a:rPr lang="zh-TW" altLang="zh-TW" dirty="0"/>
@@ -7750,7 +7813,7 @@
           <p:cNvPr id="3" name="內容版面配置區 2">
             <a:extLst>
               <a:ext uri="{FF2B5EF4-FFF2-40B4-BE49-F238E27FC236}">
-                <a16:creationId xmlns:a16="http://schemas.microsoft.com/office/drawing/2014/main" xmlns="" id="{EA28229F-78C7-4EA8-AC0C-BC657996D65B}"/>
+                <a16:creationId xmlns:a16="http://schemas.microsoft.com/office/drawing/2014/main" id="{EA28229F-78C7-4EA8-AC0C-BC657996D65B}"/>
               </a:ext>
             </a:extLst>
           </p:cNvPr>
@@ -8041,7 +8104,7 @@
     </p:spTree>
     <p:extLst>
       <p:ext uri="{BB962C8B-B14F-4D97-AF65-F5344CB8AC3E}">
-        <p14:creationId xmlns:p14="http://schemas.microsoft.com/office/powerpoint/2010/main" xmlns="" val="3439624770"/>
+        <p14:creationId xmlns:p14="http://schemas.microsoft.com/office/powerpoint/2010/main" val="3439624770"/>
       </p:ext>
     </p:extLst>
   </p:cSld>
@@ -8070,7 +8133,13 @@
       </p:grpSpPr>
       <p:sp>
         <p:nvSpPr>
-          <p:cNvPr id="2" name="標題 1"/>
+          <p:cNvPr id="2" name="標題 1">
+            <a:extLst>
+              <a:ext uri="{FF2B5EF4-FFF2-40B4-BE49-F238E27FC236}">
+                <a16:creationId xmlns:a16="http://schemas.microsoft.com/office/drawing/2014/main" id="{4CD00D73-E255-4D30-9D15-88D10F5B1BA4}"/>
+              </a:ext>
+            </a:extLst>
+          </p:cNvPr>
           <p:cNvSpPr>
             <a:spLocks noGrp="1"/>
           </p:cNvSpPr>
@@ -8084,49 +8153,58 @@
           <a:lstStyle/>
           <a:p>
             <a:r>
+              <a:rPr lang="en-US" altLang="zh-TW" dirty="0"/>
+              <a:t>GITHUB</a:t>
+            </a:r>
+            <a:r>
               <a:rPr lang="zh-TW" altLang="en-US" dirty="0"/>
-              <a:t>第一關第二關程式碼</a:t>
-            </a:r>
-            <a:r>
-              <a:rPr lang="en-US" altLang="zh-TW" dirty="0"/>
-              <a:t>(</a:t>
-            </a:r>
-            <a:r>
-              <a:rPr lang="zh-TW" altLang="en-US" dirty="0"/>
-              <a:t>上</a:t>
-            </a:r>
-            <a:r>
-              <a:rPr lang="en-US" altLang="zh-TW" dirty="0"/>
-              <a:t>)</a:t>
-            </a:r>
-            <a:endParaRPr lang="zh-TW" altLang="en-US" dirty="0"/>
+              <a:t>上有的檔案</a:t>
+            </a:r>
           </a:p>
         </p:txBody>
       </p:sp>
       <p:pic>
         <p:nvPicPr>
-          <p:cNvPr id="4" name="內容版面配置區 3" descr="1.jpg"/>
+          <p:cNvPr id="5" name="圖片 4">
+            <a:extLst>
+              <a:ext uri="{FF2B5EF4-FFF2-40B4-BE49-F238E27FC236}">
+                <a16:creationId xmlns:a16="http://schemas.microsoft.com/office/drawing/2014/main" id="{749D4F73-802E-4E83-B2B5-8B833BB8D7AE}"/>
+              </a:ext>
+            </a:extLst>
+          </p:cNvPr>
           <p:cNvPicPr>
-            <a:picLocks noGrp="1" noChangeAspect="1"/>
+            <a:picLocks noChangeAspect="1"/>
           </p:cNvPicPr>
-          <p:nvPr>
-            <p:ph idx="1"/>
-          </p:nvPr>
+          <p:nvPr/>
         </p:nvPicPr>
         <p:blipFill>
-          <a:blip r:embed="rId2" cstate="print"/>
+          <a:blip r:embed="rId2">
+            <a:extLst>
+              <a:ext uri="{28A0092B-C50C-407E-A947-70E740481C1C}">
+                <a14:useLocalDpi xmlns:a14="http://schemas.microsoft.com/office/drawing/2010/main" val="0"/>
+              </a:ext>
+            </a:extLst>
+          </a:blip>
           <a:stretch>
             <a:fillRect/>
           </a:stretch>
         </p:blipFill>
         <p:spPr>
           <a:xfrm>
-            <a:off x="-38980" y="1268760"/>
-            <a:ext cx="9182980" cy="5247416"/>
+            <a:off x="467544" y="1844824"/>
+            <a:ext cx="7624178" cy="3612278"/>
           </a:xfrm>
+          <a:prstGeom prst="rect">
+            <a:avLst/>
+          </a:prstGeom>
         </p:spPr>
       </p:pic>
     </p:spTree>
+    <p:extLst>
+      <p:ext uri="{BB962C8B-B14F-4D97-AF65-F5344CB8AC3E}">
+        <p14:creationId xmlns:p14="http://schemas.microsoft.com/office/powerpoint/2010/main" val="2147536094"/>
+      </p:ext>
+    </p:extLst>
   </p:cSld>
   <p:clrMapOvr>
     <a:masterClrMapping/>
@@ -8176,7 +8254,7 @@
             </a:r>
             <a:r>
               <a:rPr lang="zh-TW" altLang="en-US" dirty="0"/>
-              <a:t>下</a:t>
+              <a:t>上</a:t>
             </a:r>
             <a:r>
               <a:rPr lang="en-US" altLang="zh-TW" dirty="0"/>
@@ -8188,7 +8266,7 @@
       </p:sp>
       <p:pic>
         <p:nvPicPr>
-          <p:cNvPr id="4" name="內容版面配置區 3" descr="2.jpg"/>
+          <p:cNvPr id="4" name="內容版面配置區 3" descr="1.jpg"/>
           <p:cNvPicPr>
             <a:picLocks noGrp="1" noChangeAspect="1"/>
           </p:cNvPicPr>
@@ -8204,8 +8282,8 @@
         </p:blipFill>
         <p:spPr>
           <a:xfrm>
-            <a:off x="686187" y="2160588"/>
-            <a:ext cx="6195238" cy="3881437"/>
+            <a:off x="-38980" y="1268760"/>
+            <a:ext cx="9182980" cy="5247416"/>
           </a:xfrm>
         </p:spPr>
       </p:pic>
@@ -8250,19 +8328,28 @@
           <a:lstStyle/>
           <a:p>
             <a:r>
+              <a:rPr lang="zh-TW" altLang="en-US" dirty="0"/>
+              <a:t>第一關第二關程式碼</a:t>
+            </a:r>
+            <a:r>
               <a:rPr lang="en-US" altLang="zh-TW" dirty="0"/>
-              <a:t>CODE</a:t>
+              <a:t>(</a:t>
             </a:r>
             <a:r>
               <a:rPr lang="zh-TW" altLang="en-US" dirty="0"/>
-              <a:t>範例</a:t>
-            </a:r>
+              <a:t>下</a:t>
+            </a:r>
+            <a:r>
+              <a:rPr lang="en-US" altLang="zh-TW" dirty="0"/>
+              <a:t>)</a:t>
+            </a:r>
+            <a:endParaRPr lang="zh-TW" altLang="en-US" dirty="0"/>
           </a:p>
         </p:txBody>
       </p:sp>
       <p:pic>
         <p:nvPicPr>
-          <p:cNvPr id="4" name="內容版面配置區 3" descr="7.jpg"/>
+          <p:cNvPr id="4" name="內容版面配置區 3" descr="2.jpg"/>
           <p:cNvPicPr>
             <a:picLocks noGrp="1" noChangeAspect="1"/>
           </p:cNvPicPr>
@@ -8278,8 +8365,8 @@
         </p:blipFill>
         <p:spPr>
           <a:xfrm>
-            <a:off x="-1" y="1628800"/>
-            <a:ext cx="9091433" cy="5229200"/>
+            <a:off x="686187" y="2160588"/>
+            <a:ext cx="6195238" cy="3881437"/>
           </a:xfrm>
         </p:spPr>
       </p:pic>
@@ -8336,7 +8423,7 @@
       </p:sp>
       <p:pic>
         <p:nvPicPr>
-          <p:cNvPr id="4" name="內容版面配置區 3" descr="8.jpg"/>
+          <p:cNvPr id="4" name="內容版面配置區 3" descr="7.jpg"/>
           <p:cNvPicPr>
             <a:picLocks noGrp="1" noChangeAspect="1"/>
           </p:cNvPicPr>
@@ -8352,8 +8439,8 @@
         </p:blipFill>
         <p:spPr>
           <a:xfrm>
-            <a:off x="323528" y="1244554"/>
-            <a:ext cx="6912768" cy="5273795"/>
+            <a:off x="-1" y="1628800"/>
+            <a:ext cx="9091433" cy="5229200"/>
           </a:xfrm>
         </p:spPr>
       </p:pic>
@@ -8410,7 +8497,7 @@
       </p:sp>
       <p:pic>
         <p:nvPicPr>
-          <p:cNvPr id="4" name="內容版面配置區 3" descr="9.jpg"/>
+          <p:cNvPr id="4" name="內容版面配置區 3" descr="8.jpg"/>
           <p:cNvPicPr>
             <a:picLocks noGrp="1" noChangeAspect="1"/>
           </p:cNvPicPr>
@@ -8426,8 +8513,8 @@
         </p:blipFill>
         <p:spPr>
           <a:xfrm>
-            <a:off x="107504" y="1484784"/>
-            <a:ext cx="7853470" cy="5195664"/>
+            <a:off x="323528" y="1244554"/>
+            <a:ext cx="6912768" cy="5273795"/>
           </a:xfrm>
         </p:spPr>
       </p:pic>
@@ -8484,7 +8571,7 @@
       </p:sp>
       <p:pic>
         <p:nvPicPr>
-          <p:cNvPr id="4" name="內容版面配置區 3" descr="10.jpg"/>
+          <p:cNvPr id="4" name="內容版面配置區 3" descr="9.jpg"/>
           <p:cNvPicPr>
             <a:picLocks noGrp="1" noChangeAspect="1"/>
           </p:cNvPicPr>
@@ -8500,8 +8587,8 @@
         </p:blipFill>
         <p:spPr>
           <a:xfrm>
-            <a:off x="323528" y="1268760"/>
-            <a:ext cx="6912768" cy="5313942"/>
+            <a:off x="107504" y="1484784"/>
+            <a:ext cx="7853470" cy="5195664"/>
           </a:xfrm>
         </p:spPr>
       </p:pic>
@@ -8764,7 +8851,7 @@
   <a:extraClrSchemeLst/>
   <a:extLst>
     <a:ext uri="{05A4C25C-085E-4340-85A3-A5531E510DB2}">
-      <thm15:themeFamily xmlns:thm15="http://schemas.microsoft.com/office/thememl/2012/main" xmlns="" name="Facet" id="{C0C680CD-088A-49FC-A102-D699147F32B2}" vid="{CFBC31BA-B70F-4F30-BCAA-4F3011E16C4D}"/>
+      <thm15:themeFamily xmlns:thm15="http://schemas.microsoft.com/office/thememl/2012/main" name="Facet" id="{C0C680CD-088A-49FC-A102-D699147F32B2}" vid="{CFBC31BA-B70F-4F30-BCAA-4F3011E16C4D}"/>
     </a:ext>
   </a:extLst>
 </a:theme>
